--- a/46219112_Govardhan_Resume.pptx
+++ b/46219112_Govardhan_Resume.pptx
@@ -3641,49 +3641,7 @@
                 <a:latin typeface="Verdana"/>
                 <a:cs typeface="Verdana"/>
               </a:rPr>
-              <a:t> backend was design with Spring boot </a:t>
-            </a:r>
-            <a:r>
-              <a:rPr lang="en-US" sz="1150" dirty="0" err="1">
-                <a:latin typeface="Verdana"/>
-                <a:cs typeface="Verdana"/>
-              </a:rPr>
-              <a:t>Jpa</a:t>
-            </a:r>
-            <a:r>
-              <a:rPr lang="en-US" sz="1150" dirty="0">
-                <a:latin typeface="Verdana"/>
-                <a:cs typeface="Verdana"/>
-              </a:rPr>
-              <a:t> and with </a:t>
-            </a:r>
-            <a:r>
-              <a:rPr lang="en-US" sz="1150" dirty="0" err="1">
-                <a:latin typeface="Verdana"/>
-                <a:cs typeface="Verdana"/>
-              </a:rPr>
-              <a:t>Postgre</a:t>
-            </a:r>
-            <a:r>
-              <a:rPr lang="en-US" sz="1150" dirty="0">
-                <a:latin typeface="Verdana"/>
-                <a:cs typeface="Verdana"/>
-              </a:rPr>
-              <a:t> </a:t>
-            </a:r>
-            <a:r>
-              <a:rPr lang="en-US" sz="1150" dirty="0" err="1">
-                <a:latin typeface="Verdana"/>
-                <a:cs typeface="Verdana"/>
-              </a:rPr>
-              <a:t>Sql</a:t>
-            </a:r>
-            <a:r>
-              <a:rPr lang="en-US" sz="1150" dirty="0">
-                <a:latin typeface="Verdana"/>
-                <a:cs typeface="Verdana"/>
-              </a:rPr>
-              <a:t> as database, </a:t>
+              <a:t> backend was design with Spring boot Jpa and with Postgre Sql as database, </a:t>
             </a:r>
             <a:r>
               <a:rPr sz="1150" dirty="0">
@@ -4004,21 +3962,7 @@
                 <a:latin typeface="Verdana"/>
                 <a:cs typeface="Verdana"/>
               </a:rPr>
-              <a:t>Core java, Spring Boot </a:t>
-            </a:r>
-            <a:r>
-              <a:rPr lang="en-IN" sz="1400" spc="5" dirty="0" err="1">
-                <a:latin typeface="Verdana"/>
-                <a:cs typeface="Verdana"/>
-              </a:rPr>
-              <a:t>Jpa</a:t>
-            </a:r>
-            <a:r>
-              <a:rPr lang="en-IN" sz="1400" spc="5" dirty="0">
-                <a:latin typeface="Verdana"/>
-                <a:cs typeface="Verdana"/>
-              </a:rPr>
-              <a:t>, Swagger , Postgre SQL.</a:t>
+              <a:t>Core java, Spring Boot Jpa, Swagger , Postgre SQL.</a:t>
             </a:r>
             <a:endParaRPr sz="1400" dirty="0">
               <a:latin typeface="Verdana"/>
@@ -4412,7 +4356,7 @@
               <a:t>G</a:t>
             </a:r>
             <a:r>
-              <a:rPr lang="en-IN" spc="-15" dirty="0" err="1"/>
+              <a:rPr lang="en-IN" spc="-15" dirty="0"/>
               <a:t>ovardhan</a:t>
             </a:r>
             <a:endParaRPr spc="-10" dirty="0"/>
@@ -4484,7 +4428,7 @@
                 <a:latin typeface="Verdana"/>
                 <a:cs typeface="Verdana"/>
               </a:rPr>
-              <a:t>https://github.com/41Shahid/one-page-resume.git</a:t>
+              <a:t>https://github.com/Govardhan00/one-page-resume.git</a:t>
             </a:r>
             <a:endParaRPr sz="1100" dirty="0">
               <a:latin typeface="Verdana"/>
